--- a/documents/DsmPresentation.pptx
+++ b/documents/DsmPresentation.pptx
@@ -162,6 +162,9 @@
   <p:extLst>
     <p:ext uri="{EFAFB233-063F-42B5-8137-9DF3F51BA10A}">
       <p15:sldGuideLst xmlns:p15="http://schemas.microsoft.com/office/powerpoint/2012/main"/>
+    </p:ext>
+    <p:ext uri="{2D200454-40CA-4A62-9FC3-DE9A4176ACB9}">
+      <p15:notesGuideLst xmlns:p15="http://schemas.microsoft.com/office/powerpoint/2012/main"/>
     </p:ext>
   </p:extLst>
 </p:presentation>
@@ -5819,7 +5822,7 @@
           <a:p>
             <a:fld id="{58C4E72C-4CDD-46F5-9BC7-6D08628D9994}" type="datetimeFigureOut">
               <a:rPr lang="en-US" smtClean="0"/>
-              <a:t>12/14/2018</a:t>
+              <a:t>12/15/2018</a:t>
             </a:fld>
             <a:endParaRPr lang="en-US"/>
           </a:p>
@@ -5984,7 +5987,7 @@
           <a:p>
             <a:fld id="{0CC1478D-87B6-451A-8696-61271112EFBC}" type="datetimeFigureOut">
               <a:rPr lang="en-US" smtClean="0"/>
-              <a:t>12/14/2018</a:t>
+              <a:t>12/15/2018</a:t>
             </a:fld>
             <a:endParaRPr lang="en-US"/>
           </a:p>
@@ -7676,7 +7679,7 @@
           <a:p>
             <a:fld id="{788667A8-8BE1-4384-8E52-CA6CA56C077B}" type="datetimeFigureOut">
               <a:rPr lang="en-US" smtClean="0"/>
-              <a:t>12/14/2018</a:t>
+              <a:t>12/15/2018</a:t>
             </a:fld>
             <a:endParaRPr lang="en-US"/>
           </a:p>
@@ -7846,7 +7849,7 @@
           <a:p>
             <a:fld id="{788667A8-8BE1-4384-8E52-CA6CA56C077B}" type="datetimeFigureOut">
               <a:rPr lang="en-US" smtClean="0"/>
-              <a:t>12/14/2018</a:t>
+              <a:t>12/15/2018</a:t>
             </a:fld>
             <a:endParaRPr lang="en-US"/>
           </a:p>
@@ -8026,7 +8029,7 @@
           <a:p>
             <a:fld id="{788667A8-8BE1-4384-8E52-CA6CA56C077B}" type="datetimeFigureOut">
               <a:rPr lang="en-US" smtClean="0"/>
-              <a:t>12/14/2018</a:t>
+              <a:t>12/15/2018</a:t>
             </a:fld>
             <a:endParaRPr lang="en-US"/>
           </a:p>
@@ -8090,6 +8093,34 @@
 <file path=ppt/slideLayouts/slideLayout12.xml><?xml version="1.0" encoding="utf-8"?>
 <p:sldLayout xmlns:a="http://schemas.openxmlformats.org/drawingml/2006/main" xmlns:r="http://schemas.openxmlformats.org/officeDocument/2006/relationships" xmlns:p="http://schemas.openxmlformats.org/presentationml/2006/main" userDrawn="1">
   <p:cSld name="Title slide blue">
+    <p:bg>
+      <p:bgPr>
+        <a:gradFill>
+          <a:gsLst>
+            <a:gs pos="0">
+              <a:srgbClr val="155B95"/>
+            </a:gs>
+            <a:gs pos="100000">
+              <a:srgbClr val="15924F"/>
+            </a:gs>
+            <a:gs pos="100000">
+              <a:schemeClr val="accent1">
+                <a:lumMod val="45000"/>
+                <a:lumOff val="55000"/>
+              </a:schemeClr>
+            </a:gs>
+            <a:gs pos="100000">
+              <a:schemeClr val="accent1">
+                <a:lumMod val="30000"/>
+                <a:lumOff val="70000"/>
+              </a:schemeClr>
+            </a:gs>
+          </a:gsLst>
+          <a:lin ang="0" scaled="0"/>
+        </a:gradFill>
+        <a:effectLst/>
+      </p:bgPr>
+    </p:bg>
     <p:spTree>
       <p:nvGrpSpPr>
         <p:cNvPr id="1" name=""/>
@@ -8490,7 +8521,7 @@
           <a:p>
             <a:fld id="{788667A8-8BE1-4384-8E52-CA6CA56C077B}" type="datetimeFigureOut">
               <a:rPr lang="en-US" smtClean="0"/>
-              <a:t>12/14/2018</a:t>
+              <a:t>12/15/2018</a:t>
             </a:fld>
             <a:endParaRPr lang="en-US"/>
           </a:p>
@@ -8734,7 +8765,7 @@
           <a:p>
             <a:fld id="{788667A8-8BE1-4384-8E52-CA6CA56C077B}" type="datetimeFigureOut">
               <a:rPr lang="en-US" smtClean="0"/>
-              <a:t>12/14/2018</a:t>
+              <a:t>12/15/2018</a:t>
             </a:fld>
             <a:endParaRPr lang="en-US"/>
           </a:p>
@@ -8966,7 +8997,7 @@
           <a:p>
             <a:fld id="{788667A8-8BE1-4384-8E52-CA6CA56C077B}" type="datetimeFigureOut">
               <a:rPr lang="en-US" smtClean="0"/>
-              <a:t>12/14/2018</a:t>
+              <a:t>12/15/2018</a:t>
             </a:fld>
             <a:endParaRPr lang="en-US"/>
           </a:p>
@@ -9333,7 +9364,7 @@
           <a:p>
             <a:fld id="{788667A8-8BE1-4384-8E52-CA6CA56C077B}" type="datetimeFigureOut">
               <a:rPr lang="en-US" smtClean="0"/>
-              <a:t>12/14/2018</a:t>
+              <a:t>12/15/2018</a:t>
             </a:fld>
             <a:endParaRPr lang="en-US"/>
           </a:p>
@@ -9451,7 +9482,7 @@
           <a:p>
             <a:fld id="{788667A8-8BE1-4384-8E52-CA6CA56C077B}" type="datetimeFigureOut">
               <a:rPr lang="en-US" smtClean="0"/>
-              <a:t>12/14/2018</a:t>
+              <a:t>12/15/2018</a:t>
             </a:fld>
             <a:endParaRPr lang="en-US"/>
           </a:p>
@@ -9546,7 +9577,7 @@
           <a:p>
             <a:fld id="{788667A8-8BE1-4384-8E52-CA6CA56C077B}" type="datetimeFigureOut">
               <a:rPr lang="en-US" smtClean="0"/>
-              <a:t>12/14/2018</a:t>
+              <a:t>12/15/2018</a:t>
             </a:fld>
             <a:endParaRPr lang="en-US"/>
           </a:p>
@@ -9823,7 +9854,7 @@
           <a:p>
             <a:fld id="{788667A8-8BE1-4384-8E52-CA6CA56C077B}" type="datetimeFigureOut">
               <a:rPr lang="en-US" smtClean="0"/>
-              <a:t>12/14/2018</a:t>
+              <a:t>12/15/2018</a:t>
             </a:fld>
             <a:endParaRPr lang="en-US"/>
           </a:p>
@@ -10080,7 +10111,7 @@
           <a:p>
             <a:fld id="{788667A8-8BE1-4384-8E52-CA6CA56C077B}" type="datetimeFigureOut">
               <a:rPr lang="en-US" smtClean="0"/>
-              <a:t>12/14/2018</a:t>
+              <a:t>12/15/2018</a:t>
             </a:fld>
             <a:endParaRPr lang="en-US"/>
           </a:p>
@@ -10296,7 +10327,7 @@
           <a:p>
             <a:fld id="{788667A8-8BE1-4384-8E52-CA6CA56C077B}" type="datetimeFigureOut">
               <a:rPr lang="en-US" smtClean="0"/>
-              <a:t>12/14/2018</a:t>
+              <a:t>12/15/2018</a:t>
             </a:fld>
             <a:endParaRPr lang="en-US"/>
           </a:p>
@@ -10691,9 +10722,29 @@
   <p:cSld>
     <p:bg>
       <p:bgPr>
-        <a:solidFill>
-          <a:schemeClr val="accent1"/>
-        </a:solidFill>
+        <a:gradFill>
+          <a:gsLst>
+            <a:gs pos="0">
+              <a:srgbClr val="155B95"/>
+            </a:gs>
+            <a:gs pos="100000">
+              <a:srgbClr val="15924F"/>
+            </a:gs>
+            <a:gs pos="100000">
+              <a:schemeClr val="accent1">
+                <a:lumMod val="45000"/>
+                <a:lumOff val="55000"/>
+              </a:schemeClr>
+            </a:gs>
+            <a:gs pos="100000">
+              <a:schemeClr val="accent1">
+                <a:lumMod val="30000"/>
+                <a:lumOff val="70000"/>
+              </a:schemeClr>
+            </a:gs>
+          </a:gsLst>
+          <a:lin ang="0" scaled="0"/>
+        </a:gradFill>
         <a:effectLst/>
       </p:bgPr>
     </p:bg>
@@ -10826,9 +10877,29 @@
   <p:cSld>
     <p:bg>
       <p:bgPr>
-        <a:solidFill>
-          <a:schemeClr val="accent1"/>
-        </a:solidFill>
+        <a:gradFill>
+          <a:gsLst>
+            <a:gs pos="0">
+              <a:srgbClr val="155B95"/>
+            </a:gs>
+            <a:gs pos="100000">
+              <a:srgbClr val="15924F"/>
+            </a:gs>
+            <a:gs pos="100000">
+              <a:schemeClr val="accent1">
+                <a:lumMod val="45000"/>
+                <a:lumOff val="55000"/>
+              </a:schemeClr>
+            </a:gs>
+            <a:gs pos="100000">
+              <a:schemeClr val="accent1">
+                <a:lumMod val="30000"/>
+                <a:lumOff val="70000"/>
+              </a:schemeClr>
+            </a:gs>
+          </a:gsLst>
+          <a:lin ang="0" scaled="0"/>
+        </a:gradFill>
         <a:effectLst/>
       </p:bgPr>
     </p:bg>
@@ -13795,7 +13866,13 @@
               <a:rPr lang="en-US" sz="3600" dirty="0" smtClean="0">
                 <a:latin typeface="Calibri" pitchFamily="34" charset="0"/>
               </a:rPr>
-              <a:t>Usage – Who uses A2 ?</a:t>
+              <a:t>Usage – </a:t>
+            </a:r>
+            <a:r>
+              <a:rPr lang="en-US" sz="3600" dirty="0" smtClean="0">
+                <a:latin typeface="Calibri" pitchFamily="34" charset="0"/>
+              </a:rPr>
+              <a:t>A2 consumers?</a:t>
             </a:r>
             <a:r>
               <a:rPr lang="en-US" sz="3600" dirty="0">
@@ -15382,7 +15459,19 @@
               <a:rPr lang="en-US" sz="3600" dirty="0" smtClean="0">
                 <a:latin typeface="Calibri" pitchFamily="34" charset="0"/>
               </a:rPr>
-              <a:t>Usage – What does A2 use ?</a:t>
+              <a:t>Usage – </a:t>
+            </a:r>
+            <a:r>
+              <a:rPr lang="en-US" sz="3600" dirty="0" smtClean="0">
+                <a:latin typeface="Calibri" pitchFamily="34" charset="0"/>
+              </a:rPr>
+              <a:t>A2 providers </a:t>
+            </a:r>
+            <a:r>
+              <a:rPr lang="en-US" sz="3600" dirty="0" smtClean="0">
+                <a:latin typeface="Calibri" pitchFamily="34" charset="0"/>
+              </a:rPr>
+              <a:t>?</a:t>
             </a:r>
             <a:r>
               <a:rPr lang="en-US" sz="3600" dirty="0">
@@ -26201,9 +26290,29 @@
   <p:cSld>
     <p:bg>
       <p:bgPr>
-        <a:solidFill>
-          <a:schemeClr val="accent1"/>
-        </a:solidFill>
+        <a:gradFill>
+          <a:gsLst>
+            <a:gs pos="0">
+              <a:srgbClr val="155B95"/>
+            </a:gs>
+            <a:gs pos="100000">
+              <a:srgbClr val="15924F"/>
+            </a:gs>
+            <a:gs pos="100000">
+              <a:schemeClr val="accent1">
+                <a:lumMod val="45000"/>
+                <a:lumOff val="55000"/>
+              </a:schemeClr>
+            </a:gs>
+            <a:gs pos="100000">
+              <a:schemeClr val="accent1">
+                <a:lumMod val="30000"/>
+                <a:lumOff val="70000"/>
+              </a:schemeClr>
+            </a:gs>
+          </a:gsLst>
+          <a:lin ang="0" scaled="0"/>
+        </a:gradFill>
         <a:effectLst/>
       </p:bgPr>
     </p:bg>
@@ -28538,9 +28647,29 @@
   <p:cSld>
     <p:bg>
       <p:bgPr>
-        <a:solidFill>
-          <a:schemeClr val="accent1"/>
-        </a:solidFill>
+        <a:gradFill>
+          <a:gsLst>
+            <a:gs pos="0">
+              <a:srgbClr val="155B95"/>
+            </a:gs>
+            <a:gs pos="100000">
+              <a:srgbClr val="15924F"/>
+            </a:gs>
+            <a:gs pos="100000">
+              <a:schemeClr val="accent1">
+                <a:lumMod val="45000"/>
+                <a:lumOff val="55000"/>
+              </a:schemeClr>
+            </a:gs>
+            <a:gs pos="100000">
+              <a:schemeClr val="accent1">
+                <a:lumMod val="30000"/>
+                <a:lumOff val="70000"/>
+              </a:schemeClr>
+            </a:gs>
+          </a:gsLst>
+          <a:lin ang="0" scaled="0"/>
+        </a:gradFill>
         <a:effectLst/>
       </p:bgPr>
     </p:bg>
@@ -29627,7 +29756,7 @@
         <p:spPr>
           <a:xfrm>
             <a:off x="269966" y="6226629"/>
-            <a:ext cx="1512530" cy="307777"/>
+            <a:ext cx="1986569" cy="307777"/>
           </a:xfrm>
           <a:prstGeom prst="rect">
             <a:avLst/>
@@ -29642,7 +29771,11 @@
           <a:p>
             <a:r>
               <a:rPr lang="en-US" sz="1400" dirty="0" smtClean="0"/>
-              <a:t>Source: Uncle Bob</a:t>
+              <a:t>Source: </a:t>
+            </a:r>
+            <a:r>
+              <a:rPr lang="en-US" sz="1400" dirty="0" smtClean="0"/>
+              <a:t>Robert C. Martin</a:t>
             </a:r>
             <a:endParaRPr lang="en-US" sz="1400" dirty="0"/>
           </a:p>
@@ -31084,9 +31217,29 @@
   <p:cSld>
     <p:bg>
       <p:bgPr>
-        <a:solidFill>
-          <a:schemeClr val="accent1"/>
-        </a:solidFill>
+        <a:gradFill>
+          <a:gsLst>
+            <a:gs pos="0">
+              <a:srgbClr val="155B95"/>
+            </a:gs>
+            <a:gs pos="100000">
+              <a:srgbClr val="15924F"/>
+            </a:gs>
+            <a:gs pos="100000">
+              <a:schemeClr val="accent1">
+                <a:lumMod val="45000"/>
+                <a:lumOff val="55000"/>
+              </a:schemeClr>
+            </a:gs>
+            <a:gs pos="100000">
+              <a:schemeClr val="accent1">
+                <a:lumMod val="30000"/>
+                <a:lumOff val="70000"/>
+              </a:schemeClr>
+            </a:gs>
+          </a:gsLst>
+          <a:lin ang="0" scaled="0"/>
+        </a:gradFill>
         <a:effectLst/>
       </p:bgPr>
     </p:bg>
@@ -32105,9 +32258,29 @@
   <p:cSld>
     <p:bg>
       <p:bgPr>
-        <a:solidFill>
-          <a:schemeClr val="accent1"/>
-        </a:solidFill>
+        <a:gradFill>
+          <a:gsLst>
+            <a:gs pos="0">
+              <a:srgbClr val="155B95"/>
+            </a:gs>
+            <a:gs pos="100000">
+              <a:srgbClr val="15924F"/>
+            </a:gs>
+            <a:gs pos="100000">
+              <a:schemeClr val="accent1">
+                <a:lumMod val="45000"/>
+                <a:lumOff val="55000"/>
+              </a:schemeClr>
+            </a:gs>
+            <a:gs pos="100000">
+              <a:schemeClr val="accent1">
+                <a:lumMod val="30000"/>
+                <a:lumOff val="70000"/>
+              </a:schemeClr>
+            </a:gs>
+          </a:gsLst>
+          <a:lin ang="0" scaled="0"/>
+        </a:gradFill>
         <a:effectLst/>
       </p:bgPr>
     </p:bg>
@@ -32861,9 +33034,29 @@
   <p:cSld>
     <p:bg>
       <p:bgPr>
-        <a:solidFill>
-          <a:schemeClr val="accent1"/>
-        </a:solidFill>
+        <a:gradFill>
+          <a:gsLst>
+            <a:gs pos="0">
+              <a:srgbClr val="155B95"/>
+            </a:gs>
+            <a:gs pos="100000">
+              <a:srgbClr val="15924F"/>
+            </a:gs>
+            <a:gs pos="100000">
+              <a:schemeClr val="accent1">
+                <a:lumMod val="45000"/>
+                <a:lumOff val="55000"/>
+              </a:schemeClr>
+            </a:gs>
+            <a:gs pos="100000">
+              <a:schemeClr val="accent1">
+                <a:lumMod val="30000"/>
+                <a:lumOff val="70000"/>
+              </a:schemeClr>
+            </a:gs>
+          </a:gsLst>
+          <a:lin ang="0" scaled="0"/>
+        </a:gradFill>
         <a:effectLst/>
       </p:bgPr>
     </p:bg>
@@ -32891,15 +33084,25 @@
             <p:ph type="body" sz="quarter" idx="10"/>
           </p:nvPr>
         </p:nvSpPr>
-        <p:spPr/>
+        <p:spPr>
+          <a:xfrm>
+            <a:off x="828674" y="2052000"/>
+            <a:ext cx="7862480" cy="1620000"/>
+          </a:xfrm>
+        </p:spPr>
         <p:txBody>
-          <a:bodyPr/>
+          <a:bodyPr>
+            <a:normAutofit fontScale="92500"/>
+          </a:bodyPr>
           <a:lstStyle/>
           <a:p>
             <a:r>
-              <a:rPr lang="en-US" dirty="0" smtClean="0"/>
-              <a:t>Reasons we fail</a:t>
-            </a:r>
+              <a:rPr lang="en-US" dirty="0"/>
+              <a:t>Dependency management is hard</a:t>
+            </a:r>
+            <a:br>
+              <a:rPr lang="en-US" dirty="0"/>
+            </a:br>
             <a:endParaRPr lang="en-US" dirty="0"/>
           </a:p>
         </p:txBody>
@@ -32963,10 +33166,16 @@
           <a:p>
             <a:pPr algn="l"/>
             <a:r>
+              <a:rPr lang="en-US" sz="3600" dirty="0" smtClean="0">
+                <a:latin typeface="Calibri" pitchFamily="34" charset="0"/>
+              </a:rPr>
+              <a:t>Reasons </a:t>
+            </a:r>
+            <a:r>
               <a:rPr lang="en-US" sz="3600" dirty="0">
                 <a:latin typeface="Calibri" pitchFamily="34" charset="0"/>
               </a:rPr>
-              <a:t>Reasons - Human</a:t>
+              <a:t>- Human</a:t>
             </a:r>
           </a:p>
         </p:txBody>
@@ -34374,6 +34583,12 @@
 </file>
 
 <file path=customXml/item1.xml><?xml version="1.0" encoding="utf-8"?>
+<p:properties xmlns:p="http://schemas.microsoft.com/office/2006/metadata/properties" xmlns:xsi="http://www.w3.org/2001/XMLSchema-instance" xmlns:pc="http://schemas.microsoft.com/office/infopath/2007/PartnerControls">
+  <documentManagement/>
+</p:properties>
+</file>
+
+<file path=customXml/item2.xml><?xml version="1.0" encoding="utf-8"?>
 <ct:contentTypeSchema xmlns:ct="http://schemas.microsoft.com/office/2006/metadata/contentType" xmlns:ma="http://schemas.microsoft.com/office/2006/metadata/properties/metaAttributes" ct:_="" ma:_="" ma:contentTypeName="Document" ma:contentTypeID="0x010100D3D44230AA109B4B9AE0EDC20F7AE5B0" ma:contentTypeVersion="5" ma:contentTypeDescription="Create a new document." ma:contentTypeScope="" ma:versionID="c18f2d3c2b7f9b2114783e13732501ae">
   <xsd:schema xmlns:xsd="http://www.w3.org/2001/XMLSchema" xmlns:xs="http://www.w3.org/2001/XMLSchema" xmlns:p="http://schemas.microsoft.com/office/2006/metadata/properties" xmlns:ns2="a9297ea0-86da-458b-89f6-c4e5188ff50c" targetNamespace="http://schemas.microsoft.com/office/2006/metadata/properties" ma:root="true" ma:fieldsID="71acc067a28f114a01065c64e841ff54" ns2:_="">
     <xsd:import namespace="a9297ea0-86da-458b-89f6-c4e5188ff50c"/>
@@ -34525,12 +34740,6 @@
 </ct:contentTypeSchema>
 </file>
 
-<file path=customXml/item2.xml><?xml version="1.0" encoding="utf-8"?>
-<p:properties xmlns:p="http://schemas.microsoft.com/office/2006/metadata/properties" xmlns:xsi="http://www.w3.org/2001/XMLSchema-instance" xmlns:pc="http://schemas.microsoft.com/office/infopath/2007/PartnerControls">
-  <documentManagement/>
-</p:properties>
-</file>
-
 <file path=customXml/item3.xml><?xml version="1.0" encoding="utf-8"?>
 <?mso-contentType ?>
 <FormTemplates xmlns="http://schemas.microsoft.com/sharepoint/v3/contenttype/forms">
@@ -34541,6 +34750,22 @@
 </file>
 
 <file path=customXml/itemProps1.xml><?xml version="1.0" encoding="utf-8"?>
+<ds:datastoreItem xmlns:ds="http://schemas.openxmlformats.org/officeDocument/2006/customXml" ds:itemID="{C9A4C4BA-C4E2-49A3-BE42-94063299439C}">
+  <ds:schemaRefs>
+    <ds:schemaRef ds:uri="http://schemas.microsoft.com/office/2006/metadata/properties"/>
+    <ds:schemaRef ds:uri="http://schemas.microsoft.com/office/2006/documentManagement/types"/>
+    <ds:schemaRef ds:uri="http://purl.org/dc/terms/"/>
+    <ds:schemaRef ds:uri="http://schemas.openxmlformats.org/package/2006/metadata/core-properties"/>
+    <ds:schemaRef ds:uri="http://purl.org/dc/dcmitype/"/>
+    <ds:schemaRef ds:uri="http://schemas.microsoft.com/office/infopath/2007/PartnerControls"/>
+    <ds:schemaRef ds:uri="http://purl.org/dc/elements/1.1/"/>
+    <ds:schemaRef ds:uri="a9297ea0-86da-458b-89f6-c4e5188ff50c"/>
+    <ds:schemaRef ds:uri="http://www.w3.org/XML/1998/namespace"/>
+  </ds:schemaRefs>
+</ds:datastoreItem>
+</file>
+
+<file path=customXml/itemProps2.xml><?xml version="1.0" encoding="utf-8"?>
 <ds:datastoreItem xmlns:ds="http://schemas.openxmlformats.org/officeDocument/2006/customXml" ds:itemID="{30A9095B-1828-487A-B322-E077F56B0592}">
   <ds:schemaRefs>
     <ds:schemaRef ds:uri="http://schemas.microsoft.com/office/2006/metadata/contentType"/>
@@ -34558,22 +34783,6 @@
 </ds:datastoreItem>
 </file>
 
-<file path=customXml/itemProps2.xml><?xml version="1.0" encoding="utf-8"?>
-<ds:datastoreItem xmlns:ds="http://schemas.openxmlformats.org/officeDocument/2006/customXml" ds:itemID="{C9A4C4BA-C4E2-49A3-BE42-94063299439C}">
-  <ds:schemaRefs>
-    <ds:schemaRef ds:uri="http://purl.org/dc/dcmitype/"/>
-    <ds:schemaRef ds:uri="http://schemas.microsoft.com/office/infopath/2007/PartnerControls"/>
-    <ds:schemaRef ds:uri="http://purl.org/dc/elements/1.1/"/>
-    <ds:schemaRef ds:uri="http://schemas.microsoft.com/office/2006/metadata/properties"/>
-    <ds:schemaRef ds:uri="http://schemas.microsoft.com/office/2006/documentManagement/types"/>
-    <ds:schemaRef ds:uri="http://schemas.openxmlformats.org/package/2006/metadata/core-properties"/>
-    <ds:schemaRef ds:uri="a9297ea0-86da-458b-89f6-c4e5188ff50c"/>
-    <ds:schemaRef ds:uri="http://www.w3.org/XML/1998/namespace"/>
-    <ds:schemaRef ds:uri="http://purl.org/dc/terms/"/>
-  </ds:schemaRefs>
-</ds:datastoreItem>
-</file>
-
 <file path=customXml/itemProps3.xml><?xml version="1.0" encoding="utf-8"?>
 <ds:datastoreItem xmlns:ds="http://schemas.openxmlformats.org/officeDocument/2006/customXml" ds:itemID="{15E93601-4013-4475-BC91-C20FC8F0CABE}">
   <ds:schemaRefs>
